--- a/Projet Infra.pptx
+++ b/Projet Infra.pptx
@@ -115,13 +115,18 @@
       </a:defRPr>
     </a:lvl9pPr>
   </p:defaultTextStyle>
+  <p:extLst>
+    <p:ext uri="{EFAFB233-063F-42B5-8137-9DF3F51BA10A}">
+      <p15:sldGuideLst xmlns:p15="http://schemas.microsoft.com/office/powerpoint/2012/main"/>
+    </p:ext>
+  </p:extLst>
 </p:presentation>
 </file>
 
 <file path=ppt/revisionInfo.xml><?xml version="1.0" encoding="utf-8"?>
 <p1510:revInfo xmlns:a="http://schemas.openxmlformats.org/drawingml/2006/main" xmlns:r="http://schemas.openxmlformats.org/officeDocument/2006/relationships" xmlns:p1510="http://schemas.microsoft.com/office/powerpoint/2015/10/main">
   <p1510:revLst>
-    <p1510:client id="{7D7A3316-685E-42F1-9F6C-BFF404F7E202}" v="123" dt="2024-06-17T02:45:28.393"/>
+    <p1510:client id="{7D7A3316-685E-42F1-9F6C-BFF404F7E202}" v="124" dt="2024-06-17T07:31:31.579"/>
   </p1510:revLst>
 </p1510:revInfo>
 </file>
@@ -131,7 +136,7 @@
   <pc:docChgLst>
     <pc:chgData name="SERFATY Netanel" userId="07e80f0c-1cec-4fcc-82e2-cbb7030b331f" providerId="ADAL" clId="{7D7A3316-685E-42F1-9F6C-BFF404F7E202}"/>
     <pc:docChg chg="undo redo custSel addSld modSld">
-      <pc:chgData name="SERFATY Netanel" userId="07e80f0c-1cec-4fcc-82e2-cbb7030b331f" providerId="ADAL" clId="{7D7A3316-685E-42F1-9F6C-BFF404F7E202}" dt="2024-06-17T02:45:28.393" v="854"/>
+      <pc:chgData name="SERFATY Netanel" userId="07e80f0c-1cec-4fcc-82e2-cbb7030b331f" providerId="ADAL" clId="{7D7A3316-685E-42F1-9F6C-BFF404F7E202}" dt="2024-06-17T07:31:31.579" v="869"/>
       <pc:docMkLst>
         <pc:docMk/>
       </pc:docMkLst>
@@ -299,7 +304,7 @@
         </pc:sldMkLst>
       </pc:sldChg>
       <pc:sldChg chg="addSp delSp modSp new mod modTransition setBg">
-        <pc:chgData name="SERFATY Netanel" userId="07e80f0c-1cec-4fcc-82e2-cbb7030b331f" providerId="ADAL" clId="{7D7A3316-685E-42F1-9F6C-BFF404F7E202}" dt="2024-06-17T02:42:08.840" v="795"/>
+        <pc:chgData name="SERFATY Netanel" userId="07e80f0c-1cec-4fcc-82e2-cbb7030b331f" providerId="ADAL" clId="{7D7A3316-685E-42F1-9F6C-BFF404F7E202}" dt="2024-06-17T07:31:31.579" v="869"/>
         <pc:sldMkLst>
           <pc:docMk/>
           <pc:sldMk cId="4222602264" sldId="261"/>
@@ -385,7 +390,7 @@
           </ac:spMkLst>
         </pc:spChg>
         <pc:graphicFrameChg chg="add mod ord modGraphic">
-          <ac:chgData name="SERFATY Netanel" userId="07e80f0c-1cec-4fcc-82e2-cbb7030b331f" providerId="ADAL" clId="{7D7A3316-685E-42F1-9F6C-BFF404F7E202}" dt="2024-06-16T23:38:04.755" v="336" actId="313"/>
+          <ac:chgData name="SERFATY Netanel" userId="07e80f0c-1cec-4fcc-82e2-cbb7030b331f" providerId="ADAL" clId="{7D7A3316-685E-42F1-9F6C-BFF404F7E202}" dt="2024-06-17T07:31:31.579" v="869"/>
           <ac:graphicFrameMkLst>
             <pc:docMk/>
             <pc:sldMk cId="4222602264" sldId="261"/>
@@ -1341,7 +1346,7 @@
           <a:p>
             <a:fld id="{F2EE3B7B-C7B5-42CF-90CF-67B3D21B2314}" type="datetime1">
               <a:rPr lang="en-US" smtClean="0"/>
-              <a:t>6/16/2024</a:t>
+              <a:t>6/17/2024</a:t>
             </a:fld>
             <a:endParaRPr lang="en-US"/>
           </a:p>
@@ -1554,7 +1559,7 @@
           <a:p>
             <a:fld id="{6BAD9902-F134-45BD-ABD2-80C28059B090}" type="datetime1">
               <a:rPr lang="en-US" smtClean="0"/>
-              <a:t>6/16/2024</a:t>
+              <a:t>6/17/2024</a:t>
             </a:fld>
             <a:endParaRPr lang="en-US"/>
           </a:p>
@@ -1766,7 +1771,7 @@
           <a:p>
             <a:fld id="{C2B04DB0-379A-41B7-9B29-7F42F0D571D5}" type="datetime1">
               <a:rPr lang="en-US" smtClean="0"/>
-              <a:t>6/16/2024</a:t>
+              <a:t>6/17/2024</a:t>
             </a:fld>
             <a:endParaRPr lang="en-US"/>
           </a:p>
@@ -1967,7 +1972,7 @@
           <a:p>
             <a:fld id="{0F996519-E62D-4F8C-AE1E-36928EC7D15C}" type="datetime1">
               <a:rPr lang="en-US" smtClean="0"/>
-              <a:t>6/16/2024</a:t>
+              <a:t>6/17/2024</a:t>
             </a:fld>
             <a:endParaRPr lang="en-US"/>
           </a:p>
@@ -2250,7 +2255,7 @@
           <a:p>
             <a:fld id="{6477AEB6-FCE1-4CD5-923B-84E54F1460D5}" type="datetime1">
               <a:rPr lang="en-US" smtClean="0"/>
-              <a:t>6/16/2024</a:t>
+              <a:t>6/17/2024</a:t>
             </a:fld>
             <a:endParaRPr lang="en-US"/>
           </a:p>
@@ -2562,7 +2567,7 @@
           <a:p>
             <a:fld id="{96374C2F-71A1-43C9-B2F6-A4FAC8157F1A}" type="datetime1">
               <a:rPr lang="en-US" smtClean="0"/>
-              <a:t>6/16/2024</a:t>
+              <a:t>6/17/2024</a:t>
             </a:fld>
             <a:endParaRPr lang="en-US"/>
           </a:p>
@@ -2983,7 +2988,7 @@
           <a:p>
             <a:fld id="{AD631DCC-9916-4BB7-A2E9-25EC84C740A7}" type="datetime1">
               <a:rPr lang="en-US" smtClean="0"/>
-              <a:t>6/16/2024</a:t>
+              <a:t>6/17/2024</a:t>
             </a:fld>
             <a:endParaRPr lang="en-US"/>
           </a:p>
@@ -3133,7 +3138,7 @@
           <a:p>
             <a:fld id="{AF59146A-335D-4B7F-86AE-5D483B1F631C}" type="datetime1">
               <a:rPr lang="en-US" smtClean="0"/>
-              <a:t>6/16/2024</a:t>
+              <a:t>6/17/2024</a:t>
             </a:fld>
             <a:endParaRPr lang="en-US"/>
           </a:p>
@@ -3249,7 +3254,7 @@
           <a:p>
             <a:fld id="{DD71D8EC-8E17-4CE6-99C2-C22488572868}" type="datetime1">
               <a:rPr lang="en-US" smtClean="0"/>
-              <a:t>6/16/2024</a:t>
+              <a:t>6/17/2024</a:t>
             </a:fld>
             <a:endParaRPr lang="en-US"/>
           </a:p>
@@ -3565,7 +3570,7 @@
           <a:p>
             <a:fld id="{9A750ABA-DFFA-4B13-BB77-624D9164A38B}" type="datetime1">
               <a:rPr lang="en-US" smtClean="0"/>
-              <a:t>6/16/2024</a:t>
+              <a:t>6/17/2024</a:t>
             </a:fld>
             <a:endParaRPr lang="en-US"/>
           </a:p>
@@ -3865,7 +3870,7 @@
           <a:p>
             <a:fld id="{3220A08F-2B1D-4498-A043-7C299B1C2561}" type="datetime1">
               <a:rPr lang="en-US" smtClean="0"/>
-              <a:t>6/16/2024</a:t>
+              <a:t>6/17/2024</a:t>
             </a:fld>
             <a:endParaRPr lang="en-US"/>
           </a:p>
@@ -4109,7 +4114,7 @@
           <a:p>
             <a:fld id="{567E9B64-DC09-41C8-9DE3-DA74AF8D2F97}" type="datetime1">
               <a:rPr lang="en-US" smtClean="0"/>
-              <a:t>6/16/2024</a:t>
+              <a:t>6/17/2024</a:t>
             </a:fld>
             <a:endParaRPr lang="en-US" dirty="0"/>
           </a:p>
@@ -4945,13 +4950,13 @@
   <p:clrMapOvr>
     <a:masterClrMapping/>
   </p:clrMapOvr>
-  <mc:AlternateContent xmlns:mc="http://schemas.openxmlformats.org/markup-compatibility/2006">
-    <mc:Choice xmlns:p14="http://schemas.microsoft.com/office/powerpoint/2010/main" Requires="p14">
+  <mc:AlternateContent xmlns:mc="http://schemas.openxmlformats.org/markup-compatibility/2006" xmlns:p14="http://schemas.microsoft.com/office/powerpoint/2010/main">
+    <mc:Choice Requires="p14">
       <p:transition spd="slow" p14:dur="1500">
         <p:random/>
       </p:transition>
     </mc:Choice>
-    <mc:Fallback>
+    <mc:Fallback xmlns="">
       <p:transition spd="slow">
         <p:random/>
       </p:transition>
@@ -5374,13 +5379,13 @@
   <p:clrMapOvr>
     <a:masterClrMapping/>
   </p:clrMapOvr>
-  <mc:AlternateContent xmlns:mc="http://schemas.openxmlformats.org/markup-compatibility/2006">
-    <mc:Choice xmlns:p14="http://schemas.microsoft.com/office/powerpoint/2010/main" Requires="p14">
+  <mc:AlternateContent xmlns:mc="http://schemas.openxmlformats.org/markup-compatibility/2006" xmlns:p14="http://schemas.microsoft.com/office/powerpoint/2010/main">
+    <mc:Choice Requires="p14">
       <p:transition spd="slow" p14:dur="1500">
         <p:random/>
       </p:transition>
     </mc:Choice>
-    <mc:Fallback>
+    <mc:Fallback xmlns="">
       <p:transition spd="slow">
         <p:random/>
       </p:transition>
@@ -5782,13 +5787,13 @@
   <p:clrMapOvr>
     <a:masterClrMapping/>
   </p:clrMapOvr>
-  <mc:AlternateContent xmlns:mc="http://schemas.openxmlformats.org/markup-compatibility/2006">
-    <mc:Choice xmlns:p14="http://schemas.microsoft.com/office/powerpoint/2010/main" Requires="p14">
+  <mc:AlternateContent xmlns:mc="http://schemas.openxmlformats.org/markup-compatibility/2006" xmlns:p14="http://schemas.microsoft.com/office/powerpoint/2010/main">
+    <mc:Choice Requires="p14">
       <p:transition spd="slow" p14:dur="1500">
         <p:random/>
       </p:transition>
     </mc:Choice>
-    <mc:Fallback>
+    <mc:Fallback xmlns="">
       <p:transition spd="slow">
         <p:random/>
       </p:transition>
@@ -6261,13 +6266,13 @@
   <p:clrMapOvr>
     <a:masterClrMapping/>
   </p:clrMapOvr>
-  <mc:AlternateContent xmlns:mc="http://schemas.openxmlformats.org/markup-compatibility/2006">
-    <mc:Choice xmlns:p14="http://schemas.microsoft.com/office/powerpoint/2010/main" Requires="p14">
+  <mc:AlternateContent xmlns:mc="http://schemas.openxmlformats.org/markup-compatibility/2006" xmlns:p14="http://schemas.microsoft.com/office/powerpoint/2010/main">
+    <mc:Choice Requires="p14">
       <p:transition spd="slow" p14:dur="1500">
         <p:random/>
       </p:transition>
     </mc:Choice>
-    <mc:Fallback>
+    <mc:Fallback xmlns="">
       <p:transition spd="slow">
         <p:random/>
       </p:transition>
@@ -6676,7 +6681,7 @@
             <p:ph idx="1"/>
             <p:extLst>
               <p:ext uri="{D42A27DB-BD31-4B8C-83A1-F6EECF244321}">
-                <p14:modId xmlns:p14="http://schemas.microsoft.com/office/powerpoint/2010/main" val="4075999429"/>
+                <p14:modId xmlns:p14="http://schemas.microsoft.com/office/powerpoint/2010/main" val="3719032790"/>
               </p:ext>
             </p:extLst>
           </p:nvPr>
@@ -7448,8 +7453,13 @@
                             <a:schemeClr val="tx1"/>
                           </a:solidFill>
                         </a:rPr>
-                        <a:t>PASSERELLE </a:t>
+                        <a:t>ADRESSE PUBLIC </a:t>
                       </a:r>
+                      <a:endParaRPr lang="fr-FR" sz="1500" b="1" cap="none" spc="0" dirty="0">
+                        <a:solidFill>
+                          <a:schemeClr val="tx1"/>
+                        </a:solidFill>
+                      </a:endParaRPr>
                     </a:p>
                   </a:txBody>
                   <a:tcPr marL="77685" marR="110978" marT="22196" marB="166467">
@@ -7634,13 +7644,13 @@
   <p:clrMapOvr>
     <a:masterClrMapping/>
   </p:clrMapOvr>
-  <mc:AlternateContent xmlns:mc="http://schemas.openxmlformats.org/markup-compatibility/2006">
-    <mc:Choice xmlns:p14="http://schemas.microsoft.com/office/powerpoint/2010/main" Requires="p14">
+  <mc:AlternateContent xmlns:mc="http://schemas.openxmlformats.org/markup-compatibility/2006" xmlns:p14="http://schemas.microsoft.com/office/powerpoint/2010/main">
+    <mc:Choice Requires="p14">
       <p:transition spd="slow" p14:dur="1500">
         <p:random/>
       </p:transition>
     </mc:Choice>
-    <mc:Fallback>
+    <mc:Fallback xmlns="">
       <p:transition spd="slow">
         <p:random/>
       </p:transition>
@@ -8086,13 +8096,13 @@
   <p:clrMapOvr>
     <a:masterClrMapping/>
   </p:clrMapOvr>
-  <mc:AlternateContent xmlns:mc="http://schemas.openxmlformats.org/markup-compatibility/2006">
-    <mc:Choice xmlns:p14="http://schemas.microsoft.com/office/powerpoint/2010/main" Requires="p14">
+  <mc:AlternateContent xmlns:mc="http://schemas.openxmlformats.org/markup-compatibility/2006" xmlns:p14="http://schemas.microsoft.com/office/powerpoint/2010/main">
+    <mc:Choice Requires="p14">
       <p:transition spd="slow" p14:dur="1500">
         <p:random/>
       </p:transition>
     </mc:Choice>
-    <mc:Fallback>
+    <mc:Fallback xmlns="">
       <p:transition spd="slow">
         <p:random/>
       </p:transition>
@@ -8498,13 +8508,13 @@
   <p:clrMapOvr>
     <a:masterClrMapping/>
   </p:clrMapOvr>
-  <mc:AlternateContent xmlns:mc="http://schemas.openxmlformats.org/markup-compatibility/2006">
-    <mc:Choice xmlns:p14="http://schemas.microsoft.com/office/powerpoint/2010/main" Requires="p14">
+  <mc:AlternateContent xmlns:mc="http://schemas.openxmlformats.org/markup-compatibility/2006" xmlns:p14="http://schemas.microsoft.com/office/powerpoint/2010/main">
+    <mc:Choice Requires="p14">
       <p:transition spd="slow" p14:dur="1500">
         <p:random/>
       </p:transition>
     </mc:Choice>
-    <mc:Fallback>
+    <mc:Fallback xmlns="">
       <p:transition spd="slow">
         <p:random/>
       </p:transition>
@@ -9029,13 +9039,13 @@
   <p:clrMapOvr>
     <a:masterClrMapping/>
   </p:clrMapOvr>
-  <mc:AlternateContent xmlns:mc="http://schemas.openxmlformats.org/markup-compatibility/2006">
-    <mc:Choice xmlns:p14="http://schemas.microsoft.com/office/powerpoint/2010/main" Requires="p14">
+  <mc:AlternateContent xmlns:mc="http://schemas.openxmlformats.org/markup-compatibility/2006" xmlns:p14="http://schemas.microsoft.com/office/powerpoint/2010/main">
+    <mc:Choice Requires="p14">
       <p:transition spd="slow" p14:dur="1500">
         <p:random/>
       </p:transition>
     </mc:Choice>
-    <mc:Fallback>
+    <mc:Fallback xmlns="">
       <p:transition spd="slow">
         <p:random/>
       </p:transition>
@@ -9392,13 +9402,13 @@
   <p:clrMapOvr>
     <a:masterClrMapping/>
   </p:clrMapOvr>
-  <mc:AlternateContent xmlns:mc="http://schemas.openxmlformats.org/markup-compatibility/2006">
-    <mc:Choice xmlns:p14="http://schemas.microsoft.com/office/powerpoint/2010/main" Requires="p14">
+  <mc:AlternateContent xmlns:mc="http://schemas.openxmlformats.org/markup-compatibility/2006" xmlns:p14="http://schemas.microsoft.com/office/powerpoint/2010/main">
+    <mc:Choice Requires="p14">
       <p:transition spd="slow" p14:dur="1500">
         <p:random/>
       </p:transition>
     </mc:Choice>
-    <mc:Fallback>
+    <mc:Fallback xmlns="">
       <p:transition spd="slow">
         <p:random/>
       </p:transition>
